--- a/files/trial_flyer_12_20_2015.pptx
+++ b/files/trial_flyer_12_20_2015.pptx
@@ -3873,7 +3873,8 @@
             </a:r>
             <a:r>
               <a:rPr lang="zh-TW" altLang="en-US" sz="1050" b="1" dirty="0" smtClean="0">
-                <a:latin typeface="+mn-ea"/>
+                <a:latin typeface="ＭＳ Ｐゴシック" panose="020B0600070205080204" pitchFamily="50" charset="-128"/>
+                <a:ea typeface="ＭＳ Ｐゴシック" panose="020B0600070205080204" pitchFamily="50" charset="-128"/>
               </a:rPr>
               <a:t>松江市</a:t>
             </a:r>
@@ -5484,7 +5485,7 @@
           <p:nvPr>
             <p:extLst>
               <p:ext uri="{D42A27DB-BD31-4B8C-83A1-F6EECF244321}">
-                <p14:modId xmlns:p14="http://schemas.microsoft.com/office/powerpoint/2010/main" val="3627225706"/>
+                <p14:modId xmlns:p14="http://schemas.microsoft.com/office/powerpoint/2010/main" val="3563884200"/>
               </p:ext>
             </p:extLst>
           </p:nvPr>
@@ -5527,7 +5528,15 @@
                     <a:p>
                       <a:r>
                         <a:rPr kumimoji="1" lang="ja-JP" altLang="en-US" sz="1050" dirty="0" smtClean="0"/>
-                        <a:t>学年・組・氏名（ふりがな）</a:t>
+                        <a:t>学年</a:t>
+                      </a:r>
+                      <a:r>
+                        <a:rPr kumimoji="1" lang="ja-JP" altLang="en-US" sz="1050" dirty="0" smtClean="0"/>
+                        <a:t>・氏名</a:t>
+                      </a:r>
+                      <a:r>
+                        <a:rPr kumimoji="1" lang="ja-JP" altLang="en-US" sz="1050" dirty="0" smtClean="0"/>
+                        <a:t>（ふりがな）</a:t>
                       </a:r>
                       <a:endParaRPr kumimoji="1" lang="ja-JP" altLang="en-US" sz="1050" dirty="0"/>
                     </a:p>
@@ -5572,7 +5581,15 @@
                     <a:p>
                       <a:r>
                         <a:rPr kumimoji="1" lang="ja-JP" altLang="en-US" sz="1050" dirty="0" smtClean="0"/>
-                        <a:t>　　　　年　　　　　組</a:t>
+                        <a:t>　　　</a:t>
+                      </a:r>
+                      <a:r>
+                        <a:rPr kumimoji="1" lang="ja-JP" altLang="en-US" sz="1050" smtClean="0"/>
+                        <a:t>　</a:t>
+                      </a:r>
+                      <a:r>
+                        <a:rPr kumimoji="1" lang="ja-JP" altLang="en-US" sz="1050" smtClean="0"/>
+                        <a:t>年</a:t>
                       </a:r>
                       <a:endParaRPr kumimoji="1" lang="ja-JP" altLang="en-US" sz="1050" dirty="0"/>
                     </a:p>
